--- a/data exploration.pptx
+++ b/data exploration.pptx
@@ -220,7 +220,7 @@
           <a:p>
             <a:fld id="{0C25DDA4-253F-4752-8CEB-062C0EAD84B9}" type="datetimeFigureOut">
               <a:rPr lang="zh-TW" altLang="en-US" smtClean="0"/>
-              <a:t>2020/1/31</a:t>
+              <a:t>2020/2/2</a:t>
             </a:fld>
             <a:endParaRPr lang="zh-TW" altLang="en-US"/>
           </a:p>
@@ -710,7 +710,7 @@
           <a:p>
             <a:fld id="{48A87A34-81AB-432B-8DAE-1953F412C126}" type="datetimeFigureOut">
               <a:rPr lang="en-US" dirty="0"/>
-              <a:t>1/31/2020</a:t>
+              <a:t>2/2/2020</a:t>
             </a:fld>
             <a:endParaRPr lang="en-US" dirty="0"/>
           </a:p>
@@ -923,7 +923,7 @@
           <a:p>
             <a:fld id="{48A87A34-81AB-432B-8DAE-1953F412C126}" type="datetimeFigureOut">
               <a:rPr lang="en-US" dirty="0"/>
-              <a:t>1/31/2020</a:t>
+              <a:t>2/2/2020</a:t>
             </a:fld>
             <a:endParaRPr lang="en-US" dirty="0"/>
           </a:p>
@@ -1140,7 +1140,7 @@
           <a:p>
             <a:fld id="{48A87A34-81AB-432B-8DAE-1953F412C126}" type="datetimeFigureOut">
               <a:rPr lang="en-US" dirty="0"/>
-              <a:t>1/31/2020</a:t>
+              <a:t>2/2/2020</a:t>
             </a:fld>
             <a:endParaRPr lang="en-US" dirty="0"/>
           </a:p>
@@ -1386,7 +1386,7 @@
           <a:p>
             <a:fld id="{48A87A34-81AB-432B-8DAE-1953F412C126}" type="datetimeFigureOut">
               <a:rPr lang="en-US" dirty="0"/>
-              <a:t>1/31/2020</a:t>
+              <a:t>2/2/2020</a:t>
             </a:fld>
             <a:endParaRPr lang="en-US" dirty="0"/>
           </a:p>
@@ -1667,7 +1667,7 @@
           <a:p>
             <a:fld id="{48A87A34-81AB-432B-8DAE-1953F412C126}" type="datetimeFigureOut">
               <a:rPr lang="en-US" dirty="0"/>
-              <a:t>1/31/2020</a:t>
+              <a:t>2/2/2020</a:t>
             </a:fld>
             <a:endParaRPr lang="en-US" dirty="0"/>
           </a:p>
@@ -1937,7 +1937,7 @@
           <a:p>
             <a:fld id="{48A87A34-81AB-432B-8DAE-1953F412C126}" type="datetimeFigureOut">
               <a:rPr lang="en-US" dirty="0"/>
-              <a:t>1/31/2020</a:t>
+              <a:t>2/2/2020</a:t>
             </a:fld>
             <a:endParaRPr lang="en-US" dirty="0"/>
           </a:p>
@@ -2355,7 +2355,7 @@
           <a:p>
             <a:fld id="{48A87A34-81AB-432B-8DAE-1953F412C126}" type="datetimeFigureOut">
               <a:rPr lang="en-US" dirty="0"/>
-              <a:t>1/31/2020</a:t>
+              <a:t>2/2/2020</a:t>
             </a:fld>
             <a:endParaRPr lang="en-US" dirty="0"/>
           </a:p>
@@ -2506,7 +2506,7 @@
           <a:p>
             <a:fld id="{48A87A34-81AB-432B-8DAE-1953F412C126}" type="datetimeFigureOut">
               <a:rPr lang="en-US" dirty="0"/>
-              <a:t>1/31/2020</a:t>
+              <a:t>2/2/2020</a:t>
             </a:fld>
             <a:endParaRPr lang="en-US" dirty="0"/>
           </a:p>
@@ -2634,7 +2634,7 @@
           <a:p>
             <a:fld id="{48A87A34-81AB-432B-8DAE-1953F412C126}" type="datetimeFigureOut">
               <a:rPr lang="en-US" dirty="0"/>
-              <a:t>1/31/2020</a:t>
+              <a:t>2/2/2020</a:t>
             </a:fld>
             <a:endParaRPr lang="en-US" dirty="0"/>
           </a:p>
@@ -2887,7 +2887,7 @@
           <a:p>
             <a:fld id="{48A87A34-81AB-432B-8DAE-1953F412C126}" type="datetimeFigureOut">
               <a:rPr lang="en-US" dirty="0"/>
-              <a:t>1/31/2020</a:t>
+              <a:t>2/2/2020</a:t>
             </a:fld>
             <a:endParaRPr lang="en-US" dirty="0"/>
           </a:p>
@@ -3335,7 +3335,7 @@
             <a:fld id="{48A87A34-81AB-432B-8DAE-1953F412C126}" type="datetimeFigureOut">
               <a:rPr lang="en-US" dirty="0"/>
               <a:pPr/>
-              <a:t>1/31/2020</a:t>
+              <a:t>2/2/2020</a:t>
             </a:fld>
             <a:endParaRPr lang="en-US" dirty="0"/>
           </a:p>
@@ -3664,7 +3664,7 @@
             <a:fld id="{48A87A34-81AB-432B-8DAE-1953F412C126}" type="datetimeFigureOut">
               <a:rPr lang="en-US" dirty="0"/>
               <a:pPr/>
-              <a:t>1/31/2020</a:t>
+              <a:t>2/2/2020</a:t>
             </a:fld>
             <a:endParaRPr lang="en-US" dirty="0"/>
           </a:p>
@@ -4543,7 +4543,7 @@
           <p:nvPr>
             <p:extLst>
               <p:ext uri="{D42A27DB-BD31-4B8C-83A1-F6EECF244321}">
-                <p14:modId xmlns:p14="http://schemas.microsoft.com/office/powerpoint/2010/main" val="1081536171"/>
+                <p14:modId xmlns:p14="http://schemas.microsoft.com/office/powerpoint/2010/main" val="214297745"/>
               </p:ext>
             </p:extLst>
           </p:nvPr>
@@ -4635,7 +4635,7 @@
                       <a:pPr algn="ctr"/>
                       <a:r>
                         <a:rPr lang="en-US" altLang="zh-TW" dirty="0" smtClean="0"/>
-                        <a:t>&lt;0</a:t>
+                        <a:t>0</a:t>
                       </a:r>
                       <a:endParaRPr lang="zh-TW" altLang="en-US" dirty="0"/>
                     </a:p>
@@ -5463,7 +5463,7 @@
           <p:nvPr>
             <p:extLst>
               <p:ext uri="{D42A27DB-BD31-4B8C-83A1-F6EECF244321}">
-                <p14:modId xmlns:p14="http://schemas.microsoft.com/office/powerpoint/2010/main" val="2628167775"/>
+                <p14:modId xmlns:p14="http://schemas.microsoft.com/office/powerpoint/2010/main" val="2940063320"/>
               </p:ext>
             </p:extLst>
           </p:nvPr>
@@ -5554,8 +5554,8 @@
                     <a:p>
                       <a:pPr algn="ctr"/>
                       <a:r>
-                        <a:rPr lang="en-US" altLang="zh-TW" dirty="0" smtClean="0"/>
-                        <a:t>&lt;0</a:t>
+                        <a:rPr lang="en-US" altLang="zh-TW" smtClean="0"/>
+                        <a:t>0</a:t>
                       </a:r>
                       <a:endParaRPr lang="zh-TW" altLang="en-US" dirty="0"/>
                     </a:p>
@@ -7659,11 +7659,7 @@
             </a:r>
             <a:r>
               <a:rPr lang="en-US" altLang="zh-TW" dirty="0" smtClean="0"/>
-              <a:t>are similar to the above</a:t>
-            </a:r>
-            <a:r>
-              <a:rPr lang="en-US" altLang="zh-TW" dirty="0" smtClean="0"/>
-              <a:t>.</a:t>
+              <a:t>are similar to the above.</a:t>
             </a:r>
           </a:p>
           <a:p>
@@ -7671,7 +7667,6 @@
               <a:rPr lang="en-US" altLang="zh-TW" dirty="0" smtClean="0"/>
               <a:t>People who access the store via Referral path have the tendency to use the Macintosh system.</a:t>
             </a:r>
-            <a:endParaRPr lang="en-US" altLang="zh-TW" dirty="0" smtClean="0"/>
           </a:p>
           <a:p>
             <a:endParaRPr lang="zh-TW" altLang="en-US" dirty="0"/>
@@ -7792,15 +7787,7 @@
           <a:p>
             <a:r>
               <a:rPr lang="en-US" altLang="zh-TW" dirty="0" smtClean="0"/>
-              <a:t>World map(revenue) </a:t>
-            </a:r>
-            <a:r>
-              <a:rPr lang="en-US" altLang="zh-TW" dirty="0" smtClean="0"/>
-              <a:t>refer </a:t>
-            </a:r>
-            <a:r>
-              <a:rPr lang="en-US" altLang="zh-TW" dirty="0" smtClean="0"/>
-              <a:t>to</a:t>
+              <a:t>World map(revenue) refer to</a:t>
             </a:r>
           </a:p>
           <a:p>
